--- a/projects/project_03/ex_05/DevSecOpsPipeline.pptx
+++ b/projects/project_03/ex_05/DevSecOpsPipeline.pptx
@@ -243,7 +243,7 @@
   </p:defaultTextStyle>
   <p:extLst>
     <p:ext uri="{EFAFB233-063F-42B5-8137-9DF3F51BA10A}">
-      <p15:sldGuideLst xmlns:p15="http://schemas.microsoft.com/office/powerpoint/2012/main" xmlns:p14="http://schemas.microsoft.com/office/powerpoint/2010/main" xmlns:com="http://schemas.openxmlformats.org/drawingml/2006/compatibility" xmlns:pvml="urn:schemas-microsoft-com:office:powerpoint" xmlns:v="urn:schemas-microsoft-com:vml" xmlns:o="urn:schemas-microsoft-com:office:office" xmlns:dgm="http://schemas.openxmlformats.org/drawingml/2006/diagram" xmlns:c="http://schemas.openxmlformats.org/drawingml/2006/chart" xmlns:mv="urn:schemas-microsoft-com:mac:vml" xmlns:mc="http://schemas.openxmlformats.org/markup-compatibility/2006" xmlns="">
+      <p15:sldGuideLst xmlns="" xmlns:mc="http://schemas.openxmlformats.org/markup-compatibility/2006" xmlns:mv="urn:schemas-microsoft-com:mac:vml" xmlns:c="http://schemas.openxmlformats.org/drawingml/2006/chart" xmlns:dgm="http://schemas.openxmlformats.org/drawingml/2006/diagram" xmlns:o="urn:schemas-microsoft-com:office:office" xmlns:v="urn:schemas-microsoft-com:vml" xmlns:pvml="urn:schemas-microsoft-com:office:powerpoint" xmlns:com="http://schemas.openxmlformats.org/drawingml/2006/compatibility" xmlns:p14="http://schemas.microsoft.com/office/powerpoint/2010/main" xmlns:p15="http://schemas.microsoft.com/office/powerpoint/2012/main">
         <p15:guide id="1" orient="horz" pos="1620">
           <p15:clr>
             <a:srgbClr val="A4A3A4"/>
@@ -5969,7 +5969,14 @@
               <a:rPr lang="de-CH" sz="1000" dirty="0" err="1" smtClean="0"/>
               <a:t>IaC</a:t>
             </a:r>
-            <a:endParaRPr lang="de-CH" sz="1000" dirty="0" smtClean="0"/>
+            <a:r>
+              <a:rPr lang="de-CH" sz="1000" dirty="0"/>
+              <a:t> </a:t>
+            </a:r>
+            <a:r>
+              <a:rPr lang="de-CH" sz="1000" dirty="0" smtClean="0"/>
+              <a:t>Compliance Scanning</a:t>
+            </a:r>
           </a:p>
           <a:p>
             <a:pPr marL="0" lvl="0" indent="0" algn="ctr" rtl="0">
@@ -5983,7 +5990,7 @@
             </a:pPr>
             <a:r>
               <a:rPr lang="de-CH" sz="1000" dirty="0" smtClean="0"/>
-              <a:t>Compliance Scanning</a:t>
+              <a:t>TERRASCAN</a:t>
             </a:r>
             <a:endParaRPr sz="1000" dirty="0"/>
           </a:p>
@@ -6043,6 +6050,22 @@
             <a:r>
               <a:rPr lang="de-CH" sz="1000" dirty="0" err="1" smtClean="0"/>
               <a:t>scanning</a:t>
+            </a:r>
+            <a:endParaRPr lang="de-CH" sz="1000" dirty="0"/>
+          </a:p>
+          <a:p>
+            <a:pPr marL="0" lvl="0" indent="0" algn="ctr" rtl="0">
+              <a:spcBef>
+                <a:spcPts val="0"/>
+              </a:spcBef>
+              <a:spcAft>
+                <a:spcPts val="0"/>
+              </a:spcAft>
+              <a:buNone/>
+            </a:pPr>
+            <a:r>
+              <a:rPr lang="de-CH" sz="1000" dirty="0" smtClean="0"/>
+              <a:t>TRIVY</a:t>
             </a:r>
             <a:endParaRPr sz="1000" dirty="0"/>
           </a:p>
@@ -6105,7 +6128,18 @@
             <a:pPr algn="ctr"/>
             <a:r>
               <a:rPr lang="de-CH" sz="1000" dirty="0"/>
-              <a:t>Compliance Scanning</a:t>
+              <a:t>Compliance </a:t>
+            </a:r>
+            <a:r>
+              <a:rPr lang="de-CH" sz="1000" dirty="0" smtClean="0"/>
+              <a:t>Scanning</a:t>
+            </a:r>
+          </a:p>
+          <a:p>
+            <a:pPr algn="ctr"/>
+            <a:r>
+              <a:rPr lang="de-CH" sz="1000" dirty="0" smtClean="0"/>
+              <a:t>AWS CONFIG</a:t>
             </a:r>
             <a:endParaRPr sz="1000" dirty="0"/>
           </a:p>
@@ -6156,7 +6190,26 @@
             </a:r>
             <a:r>
               <a:rPr lang="de-CH" sz="1000" dirty="0" smtClean="0"/>
-              <a:t> Code Scanning</a:t>
+              <a:t> Code </a:t>
+            </a:r>
+            <a:r>
+              <a:rPr lang="de-CH" sz="1000" dirty="0" smtClean="0"/>
+              <a:t>Scanning</a:t>
+            </a:r>
+          </a:p>
+          <a:p>
+            <a:pPr marL="0" lvl="0" indent="0" algn="ctr" rtl="0">
+              <a:spcBef>
+                <a:spcPts val="0"/>
+              </a:spcBef>
+              <a:spcAft>
+                <a:spcPts val="0"/>
+              </a:spcAft>
+              <a:buNone/>
+            </a:pPr>
+            <a:r>
+              <a:rPr lang="de-CH" sz="1000" dirty="0" smtClean="0"/>
+              <a:t>SONARCUBE</a:t>
             </a:r>
             <a:endParaRPr sz="1000" dirty="0"/>
           </a:p>
